--- a/USPSA/Steel Challenge 2.pptx
+++ b/USPSA/Steel Challenge 2.pptx
@@ -379,30 +379,6 @@
             <ac:picMk id="3114" creationId="{00000000-0000-0000-0000-000000000000}"/>
           </ac:picMkLst>
         </pc:picChg>
-      </pc:sldChg>
-    </pc:docChg>
-  </pc:docChgLst>
-  <pc:docChgLst>
-    <pc:chgData name="Matt Carlson" userId="0e792f37f00095d9" providerId="LiveId" clId="{C69FA696-83C7-4BB0-AB2D-68FFD9ECEC07}"/>
-    <pc:docChg chg="modSld">
-      <pc:chgData name="Matt Carlson" userId="0e792f37f00095d9" providerId="LiveId" clId="{C69FA696-83C7-4BB0-AB2D-68FFD9ECEC07}" dt="2019-07-23T04:28:24.308" v="29" actId="20577"/>
-      <pc:docMkLst>
-        <pc:docMk/>
-      </pc:docMkLst>
-      <pc:sldChg chg="modSp">
-        <pc:chgData name="Matt Carlson" userId="0e792f37f00095d9" providerId="LiveId" clId="{C69FA696-83C7-4BB0-AB2D-68FFD9ECEC07}" dt="2019-07-23T04:28:24.308" v="29" actId="20577"/>
-        <pc:sldMkLst>
-          <pc:docMk/>
-          <pc:sldMk cId="0" sldId="274"/>
-        </pc:sldMkLst>
-        <pc:graphicFrameChg chg="modGraphic">
-          <ac:chgData name="Matt Carlson" userId="0e792f37f00095d9" providerId="LiveId" clId="{C69FA696-83C7-4BB0-AB2D-68FFD9ECEC07}" dt="2019-07-23T04:28:24.308" v="29" actId="20577"/>
-          <ac:graphicFrameMkLst>
-            <pc:docMk/>
-            <pc:sldMk cId="0" sldId="274"/>
-            <ac:graphicFrameMk id="110" creationId="{00000000-0000-0000-0000-000000000000}"/>
-          </ac:graphicFrameMkLst>
-        </pc:graphicFrameChg>
       </pc:sldChg>
     </pc:docChg>
   </pc:docChgLst>
@@ -918,6 +894,30 @@
     </pc:docChg>
   </pc:docChgLst>
   <pc:docChgLst>
+    <pc:chgData name="Matt Carlson" userId="0e792f37f00095d9" providerId="LiveId" clId="{C69FA696-83C7-4BB0-AB2D-68FFD9ECEC07}"/>
+    <pc:docChg chg="modSld">
+      <pc:chgData name="Matt Carlson" userId="0e792f37f00095d9" providerId="LiveId" clId="{C69FA696-83C7-4BB0-AB2D-68FFD9ECEC07}" dt="2019-07-23T04:28:24.308" v="29" actId="20577"/>
+      <pc:docMkLst>
+        <pc:docMk/>
+      </pc:docMkLst>
+      <pc:sldChg chg="modSp">
+        <pc:chgData name="Matt Carlson" userId="0e792f37f00095d9" providerId="LiveId" clId="{C69FA696-83C7-4BB0-AB2D-68FFD9ECEC07}" dt="2019-07-23T04:28:24.308" v="29" actId="20577"/>
+        <pc:sldMkLst>
+          <pc:docMk/>
+          <pc:sldMk cId="0" sldId="274"/>
+        </pc:sldMkLst>
+        <pc:graphicFrameChg chg="modGraphic">
+          <ac:chgData name="Matt Carlson" userId="0e792f37f00095d9" providerId="LiveId" clId="{C69FA696-83C7-4BB0-AB2D-68FFD9ECEC07}" dt="2019-07-23T04:28:24.308" v="29" actId="20577"/>
+          <ac:graphicFrameMkLst>
+            <pc:docMk/>
+            <pc:sldMk cId="0" sldId="274"/>
+            <ac:graphicFrameMk id="110" creationId="{00000000-0000-0000-0000-000000000000}"/>
+          </ac:graphicFrameMkLst>
+        </pc:graphicFrameChg>
+      </pc:sldChg>
+    </pc:docChg>
+  </pc:docChgLst>
+  <pc:docChgLst>
     <pc:chgData name="Matt Carlson" userId="0e792f37f00095d9" providerId="LiveId" clId="{15D46527-F250-4BD3-B0B0-794B9B42F133}"/>
     <pc:docChg chg="modSld">
       <pc:chgData name="Matt Carlson" userId="0e792f37f00095d9" providerId="LiveId" clId="{15D46527-F250-4BD3-B0B0-794B9B42F133}" dt="2019-10-26T06:24:30.994" v="0"/>
@@ -1046,7 +1046,7 @@
               <a:pPr>
                 <a:defRPr/>
               </a:pPr>
-              <a:t>7/24/20</a:t>
+              <a:t>8/4/20</a:t>
             </a:fld>
             <a:endParaRPr lang="en-US"/>
           </a:p>
@@ -5020,7 +5020,7 @@
           <p:nvPr>
             <p:extLst>
               <p:ext uri="{D42A27DB-BD31-4B8C-83A1-F6EECF244321}">
-                <p14:modId xmlns:p14="http://schemas.microsoft.com/office/powerpoint/2010/main" val="1367533477"/>
+                <p14:modId xmlns:p14="http://schemas.microsoft.com/office/powerpoint/2010/main" val="142737130"/>
               </p:ext>
             </p:extLst>
           </p:nvPr>
@@ -5192,7 +5192,7 @@
                         <a:defRPr/>
                       </a:pPr>
                       <a:r>
-                        <a:rPr kumimoji="0" lang="en-US" sz="2000" b="1" i="0" u="none" strike="noStrike" kern="1200" cap="none" spc="0" normalizeH="0" baseline="0" noProof="0" dirty="0">
+                        <a:rPr kumimoji="0" lang="en-US" sz="2000" b="1" i="0" u="none" strike="noStrike" kern="1200" cap="none" spc="0" normalizeH="0" baseline="0" noProof="0">
                           <a:ln>
                             <a:noFill/>
                           </a:ln>
@@ -5206,8 +5206,22 @@
                           <a:ea typeface="+mn-ea"/>
                           <a:cs typeface="Times New Roman" charset="0"/>
                         </a:rPr>
-                        <a:t>Bay 2</a:t>
+                        <a:t>Bay 3</a:t>
                       </a:r>
+                      <a:endParaRPr kumimoji="0" lang="en-US" sz="2000" b="1" i="0" u="none" strike="noStrike" kern="1200" cap="none" spc="0" normalizeH="0" baseline="0" noProof="0" dirty="0">
+                        <a:ln>
+                          <a:noFill/>
+                        </a:ln>
+                        <a:solidFill>
+                          <a:srgbClr val="000000"/>
+                        </a:solidFill>
+                        <a:effectLst/>
+                        <a:uLnTx/>
+                        <a:uFillTx/>
+                        <a:latin typeface="Arial" charset="0"/>
+                        <a:ea typeface="+mn-ea"/>
+                        <a:cs typeface="Times New Roman" charset="0"/>
+                      </a:endParaRPr>
                     </a:p>
                     <a:p>
                       <a:pPr marL="0" marR="0" lvl="0" indent="0" algn="ctr" defTabSz="966788" rtl="0" eaLnBrk="1" fontAlgn="base" latinLnBrk="0" hangingPunct="1">
